--- a/ThePredictors_PS3_PPT.pptx
+++ b/ThePredictors_PS3_PPT.pptx
@@ -839,7 +839,7 @@
             <a:fld id="{B61BEF0D-F0BB-DE4B-95CE-6DB70DBA9567}" type="datetimeFigureOut">
               <a:rPr lang="en-US" dirty="0"/>
               <a:pPr/>
-              <a:t>3/31/2020</a:t>
+              <a:t>4/1/2020</a:t>
             </a:fld>
             <a:endParaRPr lang="en-US" dirty="0"/>
           </a:p>
@@ -1087,7 +1087,7 @@
             <a:fld id="{B61BEF0D-F0BB-DE4B-95CE-6DB70DBA9567}" type="datetimeFigureOut">
               <a:rPr lang="en-US" dirty="0"/>
               <a:pPr/>
-              <a:t>3/31/2020</a:t>
+              <a:t>4/1/2020</a:t>
             </a:fld>
             <a:endParaRPr lang="en-US" dirty="0"/>
           </a:p>
@@ -1398,7 +1398,7 @@
             <a:fld id="{B61BEF0D-F0BB-DE4B-95CE-6DB70DBA9567}" type="datetimeFigureOut">
               <a:rPr lang="en-US" dirty="0"/>
               <a:pPr/>
-              <a:t>3/31/2020</a:t>
+              <a:t>4/1/2020</a:t>
             </a:fld>
             <a:endParaRPr lang="en-US" dirty="0"/>
           </a:p>
@@ -1736,7 +1736,7 @@
             <a:fld id="{B61BEF0D-F0BB-DE4B-95CE-6DB70DBA9567}" type="datetimeFigureOut">
               <a:rPr lang="en-US" dirty="0"/>
               <a:pPr/>
-              <a:t>3/31/2020</a:t>
+              <a:t>4/1/2020</a:t>
             </a:fld>
             <a:endParaRPr lang="en-US" dirty="0"/>
           </a:p>
@@ -2047,7 +2047,7 @@
             <a:fld id="{B61BEF0D-F0BB-DE4B-95CE-6DB70DBA9567}" type="datetimeFigureOut">
               <a:rPr lang="en-US" dirty="0"/>
               <a:pPr/>
-              <a:t>3/31/2020</a:t>
+              <a:t>4/1/2020</a:t>
             </a:fld>
             <a:endParaRPr lang="en-US" dirty="0"/>
           </a:p>
@@ -2437,7 +2437,7 @@
             <a:fld id="{B61BEF0D-F0BB-DE4B-95CE-6DB70DBA9567}" type="datetimeFigureOut">
               <a:rPr lang="en-US" dirty="0"/>
               <a:pPr/>
-              <a:t>3/31/2020</a:t>
+              <a:t>4/1/2020</a:t>
             </a:fld>
             <a:endParaRPr lang="en-US" dirty="0"/>
           </a:p>
@@ -2603,7 +2603,7 @@
           <a:p>
             <a:fld id="{55C6B4A9-1611-4792-9094-5F34BCA07E0B}" type="datetimeFigureOut">
               <a:rPr lang="en-US" dirty="0"/>
-              <a:t>3/31/2020</a:t>
+              <a:t>4/1/2020</a:t>
             </a:fld>
             <a:endParaRPr lang="en-US" dirty="0"/>
           </a:p>
@@ -2779,7 +2779,7 @@
             <a:fld id="{B61BEF0D-F0BB-DE4B-95CE-6DB70DBA9567}" type="datetimeFigureOut">
               <a:rPr lang="en-US" dirty="0"/>
               <a:pPr/>
-              <a:t>3/31/2020</a:t>
+              <a:t>4/1/2020</a:t>
             </a:fld>
             <a:endParaRPr lang="en-US" dirty="0"/>
           </a:p>
@@ -2952,7 +2952,7 @@
             <a:fld id="{B61BEF0D-F0BB-DE4B-95CE-6DB70DBA9567}" type="datetimeFigureOut">
               <a:rPr lang="en-US" dirty="0"/>
               <a:pPr/>
-              <a:t>3/31/2020</a:t>
+              <a:t>4/1/2020</a:t>
             </a:fld>
             <a:endParaRPr lang="en-US" dirty="0"/>
           </a:p>
@@ -3196,7 +3196,7 @@
             <a:fld id="{B61BEF0D-F0BB-DE4B-95CE-6DB70DBA9567}" type="datetimeFigureOut">
               <a:rPr lang="en-US" dirty="0"/>
               <a:pPr/>
-              <a:t>3/31/2020</a:t>
+              <a:t>4/1/2020</a:t>
             </a:fld>
             <a:endParaRPr lang="en-US" dirty="0"/>
           </a:p>
@@ -3424,7 +3424,7 @@
           <a:p>
             <a:fld id="{EB712588-04B1-427B-82EE-E8DB90309F08}" type="datetimeFigureOut">
               <a:rPr lang="en-US" dirty="0"/>
-              <a:t>3/31/2020</a:t>
+              <a:t>4/1/2020</a:t>
             </a:fld>
             <a:endParaRPr lang="en-US" dirty="0"/>
           </a:p>
@@ -3794,7 +3794,7 @@
             <a:fld id="{B61BEF0D-F0BB-DE4B-95CE-6DB70DBA9567}" type="datetimeFigureOut">
               <a:rPr lang="en-US" dirty="0"/>
               <a:pPr/>
-              <a:t>3/31/2020</a:t>
+              <a:t>4/1/2020</a:t>
             </a:fld>
             <a:endParaRPr lang="en-US" dirty="0"/>
           </a:p>
@@ -3914,7 +3914,7 @@
             <a:fld id="{B61BEF0D-F0BB-DE4B-95CE-6DB70DBA9567}" type="datetimeFigureOut">
               <a:rPr lang="en-US" dirty="0"/>
               <a:pPr/>
-              <a:t>3/31/2020</a:t>
+              <a:t>4/1/2020</a:t>
             </a:fld>
             <a:endParaRPr lang="en-US" dirty="0"/>
           </a:p>
@@ -4006,7 +4006,7 @@
             <a:fld id="{B61BEF0D-F0BB-DE4B-95CE-6DB70DBA9567}" type="datetimeFigureOut">
               <a:rPr lang="en-US" dirty="0"/>
               <a:pPr/>
-              <a:t>3/31/2020</a:t>
+              <a:t>4/1/2020</a:t>
             </a:fld>
             <a:endParaRPr lang="en-US" dirty="0"/>
           </a:p>
@@ -4257,7 +4257,7 @@
           <a:p>
             <a:fld id="{42A54C80-263E-416B-A8E0-580EDEADCBDC}" type="datetimeFigureOut">
               <a:rPr lang="en-US" dirty="0"/>
-              <a:t>3/31/2020</a:t>
+              <a:t>4/1/2020</a:t>
             </a:fld>
             <a:endParaRPr lang="en-US" dirty="0"/>
           </a:p>
@@ -4516,7 +4516,7 @@
             <a:fld id="{B61BEF0D-F0BB-DE4B-95CE-6DB70DBA9567}" type="datetimeFigureOut">
               <a:rPr lang="en-US" dirty="0"/>
               <a:pPr/>
-              <a:t>3/31/2020</a:t>
+              <a:t>4/1/2020</a:t>
             </a:fld>
             <a:endParaRPr lang="en-US" dirty="0"/>
           </a:p>
@@ -5256,7 +5256,7 @@
             <a:fld id="{B61BEF0D-F0BB-DE4B-95CE-6DB70DBA9567}" type="datetimeFigureOut">
               <a:rPr lang="en-US" dirty="0"/>
               <a:pPr/>
-              <a:t>3/31/2020</a:t>
+              <a:t>4/1/2020</a:t>
             </a:fld>
             <a:endParaRPr lang="en-US" dirty="0"/>
           </a:p>
@@ -6101,13 +6101,8 @@
           <a:p>
             <a:r>
               <a:rPr lang="en-US" dirty="0"/>
-              <a:t>Technology Used – R, Tableau</a:t>
-            </a:r>
-            <a:r>
-              <a:rPr lang="en-US"/>
-              <a:t>, Excel</a:t>
-            </a:r>
-            <a:endParaRPr lang="en-US" dirty="0"/>
+              <a:t>Technology Used – R, Tableau, Excel</a:t>
+            </a:r>
           </a:p>
           <a:p>
             <a:r>
@@ -6169,7 +6164,16 @@
             </a:r>
             <a:r>
               <a:rPr lang="en-US" dirty="0"/>
-              <a:t> regression. </a:t>
+              <a:t> regression.</a:t>
+            </a:r>
+          </a:p>
+          <a:p>
+            <a:pPr marL="0" indent="0">
+              <a:buNone/>
+            </a:pPr>
+            <a:r>
+              <a:rPr lang="en-US" dirty="0"/>
+              <a:t> </a:t>
             </a:r>
             <a:endParaRPr lang="en-IN" dirty="0"/>
           </a:p>
@@ -6272,6 +6276,21 @@
             <a:r>
               <a:rPr lang="en-US" dirty="0"/>
               <a:t> link can be found as below</a:t>
+            </a:r>
+          </a:p>
+          <a:p>
+            <a:pPr marL="0" indent="0">
+              <a:buNone/>
+            </a:pPr>
+            <a:endParaRPr lang="en-US" dirty="0"/>
+          </a:p>
+          <a:p>
+            <a:pPr marL="0" indent="0">
+              <a:buNone/>
+            </a:pPr>
+            <a:r>
+              <a:rPr lang="en-US" dirty="0"/>
+              <a:t>https://github.com/sauravsuman689/MISHAMASH_2019.git</a:t>
             </a:r>
           </a:p>
           <a:p>
